--- a/Seminar/Seminar.pptx
+++ b/Seminar/Seminar.pptx
@@ -5,7 +5,7 @@
     <p:sldMasterId id="2147483660" r:id="rId1"/>
   </p:sldMasterIdLst>
   <p:notesMasterIdLst>
-    <p:notesMasterId r:id="rId18"/>
+    <p:notesMasterId r:id="rId21"/>
   </p:notesMasterIdLst>
   <p:sldIdLst>
     <p:sldId id="257" r:id="rId2"/>
@@ -18,12 +18,15 @@
     <p:sldId id="266" r:id="rId9"/>
     <p:sldId id="269" r:id="rId10"/>
     <p:sldId id="270" r:id="rId11"/>
-    <p:sldId id="268" r:id="rId12"/>
-    <p:sldId id="271" r:id="rId13"/>
-    <p:sldId id="272" r:id="rId14"/>
-    <p:sldId id="273" r:id="rId15"/>
-    <p:sldId id="275" r:id="rId16"/>
-    <p:sldId id="274" r:id="rId17"/>
+    <p:sldId id="276" r:id="rId12"/>
+    <p:sldId id="278" r:id="rId13"/>
+    <p:sldId id="271" r:id="rId14"/>
+    <p:sldId id="272" r:id="rId15"/>
+    <p:sldId id="273" r:id="rId16"/>
+    <p:sldId id="275" r:id="rId17"/>
+    <p:sldId id="277" r:id="rId18"/>
+    <p:sldId id="268" r:id="rId19"/>
+    <p:sldId id="274" r:id="rId20"/>
   </p:sldIdLst>
   <p:sldSz cx="12192000" cy="6858000"/>
   <p:notesSz cx="6858000" cy="9144000"/>
@@ -14211,7 +14214,172 @@
           <a:bodyPr/>
           <a:lstStyle/>
           <a:p>
-            <a:endParaRPr lang="en-IN" dirty="0"/>
+            <a:r>
+              <a:rPr lang="en-IN" dirty="0"/>
+              <a:t>Example: Distributed Minimum Spanning Tree (DMST)</a:t>
+            </a:r>
+          </a:p>
+          <a:p>
+            <a:pPr lvl="1"/>
+            <a:r>
+              <a:rPr lang="en-IN" dirty="0"/>
+              <a:t>Phase I – Vertices find a minimum weight out-edge</a:t>
+            </a:r>
+          </a:p>
+          <a:p>
+            <a:pPr lvl="1"/>
+            <a:r>
+              <a:rPr lang="en-IN" dirty="0"/>
+              <a:t>Phase II – Vertices add and remove edges</a:t>
+            </a:r>
+          </a:p>
+          <a:p>
+            <a:r>
+              <a:rPr lang="en-IN" dirty="0"/>
+              <a:t>BAP </a:t>
+            </a:r>
+            <a:r>
+              <a:rPr lang="en-IN" dirty="0">
+                <a:solidFill>
+                  <a:srgbClr val="FF0000"/>
+                </a:solidFill>
+              </a:rPr>
+              <a:t>separates</a:t>
+            </a:r>
+            <a:r>
+              <a:rPr lang="en-IN" dirty="0"/>
+              <a:t> different phases by </a:t>
+            </a:r>
+            <a:r>
+              <a:rPr lang="en-IN" dirty="0">
+                <a:solidFill>
+                  <a:srgbClr val="FF0000"/>
+                </a:solidFill>
+              </a:rPr>
+              <a:t>global</a:t>
+            </a:r>
+            <a:r>
+              <a:rPr lang="en-IN" dirty="0"/>
+              <a:t> barrier</a:t>
+            </a:r>
+          </a:p>
+          <a:p>
+            <a:r>
+              <a:rPr lang="en-IN" dirty="0"/>
+              <a:t>Uses local barriers within each phase</a:t>
+            </a:r>
+          </a:p>
+          <a:p>
+            <a:r>
+              <a:rPr lang="en-IN" dirty="0"/>
+              <a:t>Three type of messages</a:t>
+            </a:r>
+          </a:p>
+          <a:p>
+            <a:pPr lvl="1"/>
+            <a:r>
+              <a:rPr lang="en-IN" dirty="0"/>
+              <a:t>Message sent in </a:t>
+            </a:r>
+            <a:r>
+              <a:rPr lang="en-IN" i="1" dirty="0">
+                <a:solidFill>
+                  <a:srgbClr val="FF0000"/>
+                </a:solidFill>
+              </a:rPr>
+              <a:t>k-1</a:t>
+            </a:r>
+            <a:r>
+              <a:rPr lang="en-IN" i="1" dirty="0"/>
+              <a:t> </a:t>
+            </a:r>
+            <a:r>
+              <a:rPr lang="en-IN" dirty="0"/>
+              <a:t>phase for </a:t>
+            </a:r>
+            <a:r>
+              <a:rPr lang="en-IN" i="1" dirty="0">
+                <a:solidFill>
+                  <a:srgbClr val="FF0000"/>
+                </a:solidFill>
+              </a:rPr>
+              <a:t>k</a:t>
+            </a:r>
+            <a:r>
+              <a:rPr lang="en-IN" i="1" dirty="0"/>
+              <a:t> </a:t>
+            </a:r>
+            <a:r>
+              <a:rPr lang="en-IN" dirty="0"/>
+              <a:t>phase</a:t>
+            </a:r>
+          </a:p>
+          <a:p>
+            <a:pPr lvl="1"/>
+            <a:r>
+              <a:rPr lang="en-IN" dirty="0"/>
+              <a:t>Message sent in </a:t>
+            </a:r>
+            <a:r>
+              <a:rPr lang="en-IN" i="1" dirty="0">
+                <a:solidFill>
+                  <a:srgbClr val="FF0000"/>
+                </a:solidFill>
+              </a:rPr>
+              <a:t>k</a:t>
+            </a:r>
+            <a:r>
+              <a:rPr lang="en-IN" i="1" dirty="0"/>
+              <a:t> </a:t>
+            </a:r>
+            <a:r>
+              <a:rPr lang="en-IN" dirty="0"/>
+              <a:t>phase for the same phase </a:t>
+            </a:r>
+            <a:r>
+              <a:rPr lang="en-IN" i="1" dirty="0">
+                <a:solidFill>
+                  <a:srgbClr val="FF0000"/>
+                </a:solidFill>
+              </a:rPr>
+              <a:t>k</a:t>
+            </a:r>
+          </a:p>
+          <a:p>
+            <a:pPr lvl="1"/>
+            <a:r>
+              <a:rPr lang="en-IN" dirty="0"/>
+              <a:t>Message sent in </a:t>
+            </a:r>
+            <a:r>
+              <a:rPr lang="en-IN" i="1" dirty="0">
+                <a:solidFill>
+                  <a:srgbClr val="FF0000"/>
+                </a:solidFill>
+              </a:rPr>
+              <a:t>k</a:t>
+            </a:r>
+            <a:r>
+              <a:rPr lang="en-IN" i="1" dirty="0"/>
+              <a:t> </a:t>
+            </a:r>
+            <a:r>
+              <a:rPr lang="en-IN" dirty="0"/>
+              <a:t>for next phase </a:t>
+            </a:r>
+            <a:r>
+              <a:rPr lang="en-IN" i="1" dirty="0">
+                <a:solidFill>
+                  <a:srgbClr val="FF0000"/>
+                </a:solidFill>
+              </a:rPr>
+              <a:t>k+1</a:t>
+            </a:r>
+            <a:endParaRPr lang="en-IN" dirty="0">
+              <a:solidFill>
+                <a:srgbClr val="FF0000"/>
+              </a:solidFill>
+            </a:endParaRPr>
           </a:p>
         </p:txBody>
       </p:sp>
@@ -14333,7 +14501,7 @@
           <p:cNvPr id="2" name="Title 1">
             <a:extLst>
               <a:ext uri="{FF2B5EF4-FFF2-40B4-BE49-F238E27FC236}">
-                <a16:creationId xmlns:a16="http://schemas.microsoft.com/office/drawing/2014/main" id="{DF433B84-B8C7-4B55-9E84-484229C99EDA}"/>
+                <a16:creationId xmlns:a16="http://schemas.microsoft.com/office/drawing/2014/main" id="{45288A1F-6EE4-4BA0-9866-7F1B73F26BCC}"/>
               </a:ext>
             </a:extLst>
           </p:cNvPr>
@@ -14351,7 +14519,7 @@
           <a:p>
             <a:r>
               <a:rPr lang="en-IN" dirty="0"/>
-              <a:t>Theorems</a:t>
+              <a:t>Multiple Computation Phases</a:t>
             </a:r>
           </a:p>
         </p:txBody>
@@ -14361,7 +14529,7 @@
           <p:cNvPr id="3" name="Content Placeholder 2">
             <a:extLst>
               <a:ext uri="{FF2B5EF4-FFF2-40B4-BE49-F238E27FC236}">
-                <a16:creationId xmlns:a16="http://schemas.microsoft.com/office/drawing/2014/main" id="{1AF7981D-AE4C-46BF-88C7-378D86718C8F}"/>
+                <a16:creationId xmlns:a16="http://schemas.microsoft.com/office/drawing/2014/main" id="{A0F437CE-E82E-47BC-A289-90E8635E9EEA}"/>
               </a:ext>
             </a:extLst>
           </p:cNvPr>
@@ -14372,37 +14540,101 @@
             <p:ph idx="1"/>
           </p:nvPr>
         </p:nvSpPr>
-        <p:spPr>
-          <a:xfrm>
-            <a:off x="838199" y="1825625"/>
-            <a:ext cx="10693893" cy="4530726"/>
-          </a:xfrm>
-        </p:spPr>
+        <p:spPr/>
         <p:txBody>
-          <a:bodyPr>
-            <a:normAutofit/>
-          </a:bodyPr>
+          <a:bodyPr/>
           <a:lstStyle/>
           <a:p>
             <a:r>
-              <a:rPr lang="en-US" dirty="0"/>
-              <a:t>The AP and BAP models correctly execute single-phase BSP algorithms in which vertices do not need all messages from all neighbors.</a:t>
-            </a:r>
-          </a:p>
-          <a:p>
-            <a:r>
-              <a:rPr lang="en-US" dirty="0"/>
-              <a:t>Given a message store that is initially filled with valid messages, retains old messages, and overwrites old messages with new messages, the BAP model correctly executes single-phase BSP algorithms in which vertices need all messages from all neighbors.</a:t>
-            </a:r>
-          </a:p>
-          <a:p>
-            <a:r>
-              <a:rPr lang="en-US" dirty="0"/>
-              <a:t>If every message is tagged with a Boolean at the API level and two message stores are maintained at the system level, then the BAP model supports BSP algorithms with multiple computation phases.</a:t>
-            </a:r>
-          </a:p>
-          <a:p>
-            <a:endParaRPr lang="en-IN" dirty="0"/>
+              <a:rPr lang="en-IN" dirty="0"/>
+              <a:t>BAP uses </a:t>
+            </a:r>
+            <a:r>
+              <a:rPr lang="en-IN" dirty="0">
+                <a:solidFill>
+                  <a:srgbClr val="FF0000"/>
+                </a:solidFill>
+              </a:rPr>
+              <a:t>two</a:t>
+            </a:r>
+            <a:r>
+              <a:rPr lang="en-IN" dirty="0"/>
+              <a:t> message stores</a:t>
+            </a:r>
+          </a:p>
+          <a:p>
+            <a:pPr lvl="1"/>
+            <a:r>
+              <a:rPr lang="en-IN" dirty="0">
+                <a:solidFill>
+                  <a:srgbClr val="FF0000"/>
+                </a:solidFill>
+              </a:rPr>
+              <a:t>SC</a:t>
+            </a:r>
+            <a:r>
+              <a:rPr lang="en-IN" dirty="0"/>
+              <a:t> – messages stored for current phase</a:t>
+            </a:r>
+          </a:p>
+          <a:p>
+            <a:pPr lvl="1"/>
+            <a:r>
+              <a:rPr lang="en-IN" dirty="0">
+                <a:solidFill>
+                  <a:srgbClr val="FF0000"/>
+                </a:solidFill>
+              </a:rPr>
+              <a:t>SN</a:t>
+            </a:r>
+            <a:r>
+              <a:rPr lang="en-IN" dirty="0"/>
+              <a:t> – messages stored for next phase</a:t>
+            </a:r>
+          </a:p>
+          <a:p>
+            <a:r>
+              <a:rPr lang="en-IN" dirty="0"/>
+              <a:t>In a new phase, SN of previous phase becomes SC of current phase</a:t>
+            </a:r>
+          </a:p>
+          <a:p>
+            <a:r>
+              <a:rPr lang="en-IN" dirty="0"/>
+              <a:t>Messages tagged with a </a:t>
+            </a:r>
+            <a:r>
+              <a:rPr lang="en-IN" dirty="0">
+                <a:solidFill>
+                  <a:srgbClr val="FF0000"/>
+                </a:solidFill>
+              </a:rPr>
+              <a:t>Boolean</a:t>
+            </a:r>
+            <a:r>
+              <a:rPr lang="en-IN" dirty="0"/>
+              <a:t> to indicate the store</a:t>
+            </a:r>
+          </a:p>
+          <a:p>
+            <a:r>
+              <a:rPr lang="en-IN" dirty="0"/>
+              <a:t>BAP detects phase transitions without modification to the API</a:t>
+            </a:r>
+          </a:p>
+          <a:p>
+            <a:pPr lvl="1"/>
+            <a:r>
+              <a:rPr lang="en-IN" dirty="0"/>
+              <a:t>Start – Start of a global superstep </a:t>
+            </a:r>
+          </a:p>
+          <a:p>
+            <a:pPr lvl="1"/>
+            <a:r>
+              <a:rPr lang="en-IN" dirty="0"/>
+              <a:t>End – No messages for current phase</a:t>
+            </a:r>
           </a:p>
         </p:txBody>
       </p:sp>
@@ -14411,7 +14643,7 @@
           <p:cNvPr id="4" name="Date Placeholder 3">
             <a:extLst>
               <a:ext uri="{FF2B5EF4-FFF2-40B4-BE49-F238E27FC236}">
-                <a16:creationId xmlns:a16="http://schemas.microsoft.com/office/drawing/2014/main" id="{0B098E61-8189-4E0A-B18D-53EE32D0C0E4}"/>
+                <a16:creationId xmlns:a16="http://schemas.microsoft.com/office/drawing/2014/main" id="{4E635698-0BC4-45C7-A664-CAA1E560781E}"/>
               </a:ext>
             </a:extLst>
           </p:cNvPr>
@@ -14424,7 +14656,7 @@
         </p:nvSpPr>
         <p:spPr>
           <a:xfrm>
-            <a:off x="394318" y="6356352"/>
+            <a:off x="376563" y="6356352"/>
             <a:ext cx="1374423" cy="365125"/>
           </a:xfrm>
         </p:spPr>
@@ -14445,7 +14677,7 @@
           <p:cNvPr id="5" name="Footer Placeholder 4">
             <a:extLst>
               <a:ext uri="{FF2B5EF4-FFF2-40B4-BE49-F238E27FC236}">
-                <a16:creationId xmlns:a16="http://schemas.microsoft.com/office/drawing/2014/main" id="{A4BAF4D0-09BD-477E-8D3D-6BFD965E1427}"/>
+                <a16:creationId xmlns:a16="http://schemas.microsoft.com/office/drawing/2014/main" id="{B8DA2113-6BC5-465F-ACDD-707060CB35B9}"/>
               </a:ext>
             </a:extLst>
           </p:cNvPr>
@@ -14470,7 +14702,7 @@
           <p:cNvPr id="6" name="Slide Number Placeholder 5">
             <a:extLst>
               <a:ext uri="{FF2B5EF4-FFF2-40B4-BE49-F238E27FC236}">
-                <a16:creationId xmlns:a16="http://schemas.microsoft.com/office/drawing/2014/main" id="{7B5C0E76-245A-4F08-B91F-5C57235F6BEB}"/>
+                <a16:creationId xmlns:a16="http://schemas.microsoft.com/office/drawing/2014/main" id="{803482C5-D551-40FE-9F75-325DD898BE78}"/>
               </a:ext>
             </a:extLst>
           </p:cNvPr>
@@ -14497,7 +14729,7 @@
     </p:spTree>
     <p:extLst>
       <p:ext uri="{BB962C8B-B14F-4D97-AF65-F5344CB8AC3E}">
-        <p14:creationId xmlns:p14="http://schemas.microsoft.com/office/powerpoint/2010/main" val="350621571"/>
+        <p14:creationId xmlns:p14="http://schemas.microsoft.com/office/powerpoint/2010/main" val="3875759946"/>
       </p:ext>
     </p:extLst>
   </p:cSld>
@@ -14529,7 +14761,7 @@
           <p:cNvPr id="2" name="Title 1">
             <a:extLst>
               <a:ext uri="{FF2B5EF4-FFF2-40B4-BE49-F238E27FC236}">
-                <a16:creationId xmlns:a16="http://schemas.microsoft.com/office/drawing/2014/main" id="{16475AE9-8EDE-4F91-A10F-D04BC36A9C15}"/>
+                <a16:creationId xmlns:a16="http://schemas.microsoft.com/office/drawing/2014/main" id="{314D2AB6-D1FE-45E0-B028-8A48F3DCA418}"/>
               </a:ext>
             </a:extLst>
           </p:cNvPr>
@@ -14557,7 +14789,7 @@
           <p:cNvPr id="4" name="Date Placeholder 3">
             <a:extLst>
               <a:ext uri="{FF2B5EF4-FFF2-40B4-BE49-F238E27FC236}">
-                <a16:creationId xmlns:a16="http://schemas.microsoft.com/office/drawing/2014/main" id="{1ADDB349-10BD-4231-8667-7E3BBD36179A}"/>
+                <a16:creationId xmlns:a16="http://schemas.microsoft.com/office/drawing/2014/main" id="{35569BEC-B151-4382-8F43-715173262ACD}"/>
               </a:ext>
             </a:extLst>
           </p:cNvPr>
@@ -14570,7 +14802,7 @@
         </p:nvSpPr>
         <p:spPr>
           <a:xfrm>
-            <a:off x="358807" y="6347415"/>
+            <a:off x="465339" y="6349768"/>
             <a:ext cx="1374423" cy="365125"/>
           </a:xfrm>
         </p:spPr>
@@ -14591,7 +14823,7 @@
           <p:cNvPr id="5" name="Footer Placeholder 4">
             <a:extLst>
               <a:ext uri="{FF2B5EF4-FFF2-40B4-BE49-F238E27FC236}">
-                <a16:creationId xmlns:a16="http://schemas.microsoft.com/office/drawing/2014/main" id="{D24A497A-C6DB-4A8A-8578-E58C2D0F2235}"/>
+                <a16:creationId xmlns:a16="http://schemas.microsoft.com/office/drawing/2014/main" id="{D39E7A4D-5DE5-4044-8F51-A97BC4E9D07C}"/>
               </a:ext>
             </a:extLst>
           </p:cNvPr>
@@ -14622,7 +14854,7 @@
           <p:cNvPr id="6" name="Slide Number Placeholder 5">
             <a:extLst>
               <a:ext uri="{FF2B5EF4-FFF2-40B4-BE49-F238E27FC236}">
-                <a16:creationId xmlns:a16="http://schemas.microsoft.com/office/drawing/2014/main" id="{F98AC022-5373-4F45-AD3B-8CFAF33AD23E}"/>
+                <a16:creationId xmlns:a16="http://schemas.microsoft.com/office/drawing/2014/main" id="{F986F570-9AB1-43AD-AB95-2C966DED5F2F}"/>
               </a:ext>
             </a:extLst>
           </p:cNvPr>
@@ -14651,7 +14883,7 @@
           <p:cNvPr id="7" name="Picture 6">
             <a:extLst>
               <a:ext uri="{FF2B5EF4-FFF2-40B4-BE49-F238E27FC236}">
-                <a16:creationId xmlns:a16="http://schemas.microsoft.com/office/drawing/2014/main" id="{F6109DF0-8435-48C3-A22E-E3074B39E28C}"/>
+                <a16:creationId xmlns:a16="http://schemas.microsoft.com/office/drawing/2014/main" id="{79D64FAC-37B5-4EB8-8115-A552E4464659}"/>
               </a:ext>
             </a:extLst>
           </p:cNvPr>
@@ -14661,25 +14893,120 @@
           <p:nvPr/>
         </p:nvPicPr>
         <p:blipFill>
-          <a:blip r:embed="rId2"/>
+          <a:blip r:embed="rId2">
+            <a:grayscl/>
+          </a:blip>
           <a:stretch>
             <a:fillRect/>
           </a:stretch>
         </p:blipFill>
         <p:spPr>
           <a:xfrm>
-            <a:off x="0" y="2068556"/>
-            <a:ext cx="12196342" cy="3373456"/>
+            <a:off x="547687" y="3429000"/>
+            <a:ext cx="11096625" cy="1590675"/>
           </a:xfrm>
           <a:prstGeom prst="rect">
             <a:avLst/>
           </a:prstGeom>
         </p:spPr>
       </p:pic>
+      <p:sp>
+        <p:nvSpPr>
+          <p:cNvPr id="8" name="Rectangle 7">
+            <a:extLst>
+              <a:ext uri="{FF2B5EF4-FFF2-40B4-BE49-F238E27FC236}">
+                <a16:creationId xmlns:a16="http://schemas.microsoft.com/office/drawing/2014/main" id="{CCAF939C-9ADF-465E-A603-2651C2C94B02}"/>
+              </a:ext>
+            </a:extLst>
+          </p:cNvPr>
+          <p:cNvSpPr/>
+          <p:nvPr/>
+        </p:nvSpPr>
+        <p:spPr>
+          <a:xfrm>
+            <a:off x="838199" y="1741167"/>
+            <a:ext cx="8660907" cy="1200329"/>
+          </a:xfrm>
+          <a:prstGeom prst="rect">
+            <a:avLst/>
+          </a:prstGeom>
+        </p:spPr>
+        <p:txBody>
+          <a:bodyPr wrap="square">
+            <a:spAutoFit/>
+          </a:bodyPr>
+          <a:lstStyle/>
+          <a:p>
+            <a:pPr marL="285750" indent="-285750">
+              <a:buFont typeface="Arial" panose="020B0604020202020204" pitchFamily="34" charset="0"/>
+              <a:buChar char="•"/>
+            </a:pPr>
+            <a:r>
+              <a:rPr lang="en-IN" dirty="0"/>
+              <a:t>Giraph UC compared with Giraph, Giraph async, GraphLab sync and GraphLab async</a:t>
+            </a:r>
+          </a:p>
+          <a:p>
+            <a:pPr marL="285750" indent="-285750">
+              <a:buFont typeface="Arial" panose="020B0604020202020204" pitchFamily="34" charset="0"/>
+              <a:buChar char="•"/>
+            </a:pPr>
+            <a:r>
+              <a:rPr lang="en-IN" dirty="0"/>
+              <a:t>Experimental Setup</a:t>
+            </a:r>
+          </a:p>
+          <a:p>
+            <a:pPr marL="742950" lvl="1" indent="-285750">
+              <a:buFont typeface="Arial" panose="020B0604020202020204" pitchFamily="34" charset="0"/>
+              <a:buChar char="•"/>
+            </a:pPr>
+            <a:r>
+              <a:rPr lang="en-IN" dirty="0"/>
+              <a:t>64 EC2 instances with 4 vCPUs, 30.5GB memory, Ubuntu 12.04, Hadoop 1.0.4, jdk1.7.0_65 and Giraph 1.1.0-RC0</a:t>
+            </a:r>
+          </a:p>
+        </p:txBody>
+      </p:sp>
+      <p:sp>
+        <p:nvSpPr>
+          <p:cNvPr id="9" name="TextBox 8">
+            <a:extLst>
+              <a:ext uri="{FF2B5EF4-FFF2-40B4-BE49-F238E27FC236}">
+                <a16:creationId xmlns:a16="http://schemas.microsoft.com/office/drawing/2014/main" id="{E5DF0F51-BB8A-460D-A0CD-35C3369DAC8A}"/>
+              </a:ext>
+            </a:extLst>
+          </p:cNvPr>
+          <p:cNvSpPr txBox="1"/>
+          <p:nvPr/>
+        </p:nvSpPr>
+        <p:spPr>
+          <a:xfrm>
+            <a:off x="5347151" y="5245559"/>
+            <a:ext cx="2154644" cy="369332"/>
+          </a:xfrm>
+          <a:prstGeom prst="rect">
+            <a:avLst/>
+          </a:prstGeom>
+          <a:noFill/>
+        </p:spPr>
+        <p:txBody>
+          <a:bodyPr wrap="square" rtlCol="0">
+            <a:spAutoFit/>
+          </a:bodyPr>
+          <a:lstStyle/>
+          <a:p>
+            <a:r>
+              <a:rPr lang="en-IN" dirty="0"/>
+              <a:t>Graph Datasets</a:t>
+            </a:r>
+          </a:p>
+        </p:txBody>
+      </p:sp>
     </p:spTree>
     <p:extLst>
       <p:ext uri="{BB962C8B-B14F-4D97-AF65-F5344CB8AC3E}">
-        <p14:creationId xmlns:p14="http://schemas.microsoft.com/office/powerpoint/2010/main" val="3430072518"/>
+        <p14:creationId xmlns:p14="http://schemas.microsoft.com/office/powerpoint/2010/main" val="3291282882"/>
       </p:ext>
     </p:extLst>
   </p:cSld>
@@ -14830,6 +15157,223 @@
       </p:sp>
       <p:pic>
         <p:nvPicPr>
+          <p:cNvPr id="7" name="Picture 6">
+            <a:extLst>
+              <a:ext uri="{FF2B5EF4-FFF2-40B4-BE49-F238E27FC236}">
+                <a16:creationId xmlns:a16="http://schemas.microsoft.com/office/drawing/2014/main" id="{F6109DF0-8435-48C3-A22E-E3074B39E28C}"/>
+              </a:ext>
+            </a:extLst>
+          </p:cNvPr>
+          <p:cNvPicPr>
+            <a:picLocks noChangeAspect="1"/>
+          </p:cNvPicPr>
+          <p:nvPr/>
+        </p:nvPicPr>
+        <p:blipFill>
+          <a:blip r:embed="rId2"/>
+          <a:stretch>
+            <a:fillRect/>
+          </a:stretch>
+        </p:blipFill>
+        <p:spPr>
+          <a:xfrm>
+            <a:off x="0" y="2068556"/>
+            <a:ext cx="12196342" cy="3373456"/>
+          </a:xfrm>
+          <a:prstGeom prst="rect">
+            <a:avLst/>
+          </a:prstGeom>
+        </p:spPr>
+      </p:pic>
+      <p:sp>
+        <p:nvSpPr>
+          <p:cNvPr id="8" name="TextBox 7">
+            <a:extLst>
+              <a:ext uri="{FF2B5EF4-FFF2-40B4-BE49-F238E27FC236}">
+                <a16:creationId xmlns:a16="http://schemas.microsoft.com/office/drawing/2014/main" id="{BF95F8CE-DE62-467B-B762-08A4F54BC665}"/>
+              </a:ext>
+            </a:extLst>
+          </p:cNvPr>
+          <p:cNvSpPr txBox="1"/>
+          <p:nvPr/>
+        </p:nvSpPr>
+        <p:spPr>
+          <a:xfrm>
+            <a:off x="4015499" y="5710047"/>
+            <a:ext cx="4497527" cy="369332"/>
+          </a:xfrm>
+          <a:prstGeom prst="rect">
+            <a:avLst/>
+          </a:prstGeom>
+          <a:noFill/>
+        </p:spPr>
+        <p:txBody>
+          <a:bodyPr wrap="square" rtlCol="0">
+            <a:spAutoFit/>
+          </a:bodyPr>
+          <a:lstStyle/>
+          <a:p>
+            <a:r>
+              <a:rPr lang="en-IN" dirty="0"/>
+              <a:t>Computation times for SSSP, WCC and DMST</a:t>
+            </a:r>
+          </a:p>
+        </p:txBody>
+      </p:sp>
+    </p:spTree>
+    <p:extLst>
+      <p:ext uri="{BB962C8B-B14F-4D97-AF65-F5344CB8AC3E}">
+        <p14:creationId xmlns:p14="http://schemas.microsoft.com/office/powerpoint/2010/main" val="3430072518"/>
+      </p:ext>
+    </p:extLst>
+  </p:cSld>
+  <p:clrMapOvr>
+    <a:masterClrMapping/>
+  </p:clrMapOvr>
+</p:sld>
+</file>
+
+<file path=ppt/slides/slide14.xml><?xml version="1.0" encoding="utf-8"?>
+<p:sld xmlns:a="http://schemas.openxmlformats.org/drawingml/2006/main" xmlns:r="http://schemas.openxmlformats.org/officeDocument/2006/relationships" xmlns:p="http://schemas.openxmlformats.org/presentationml/2006/main">
+  <p:cSld>
+    <p:spTree>
+      <p:nvGrpSpPr>
+        <p:cNvPr id="1" name=""/>
+        <p:cNvGrpSpPr/>
+        <p:nvPr/>
+      </p:nvGrpSpPr>
+      <p:grpSpPr>
+        <a:xfrm>
+          <a:off x="0" y="0"/>
+          <a:ext cx="0" cy="0"/>
+          <a:chOff x="0" y="0"/>
+          <a:chExt cx="0" cy="0"/>
+        </a:xfrm>
+      </p:grpSpPr>
+      <p:sp>
+        <p:nvSpPr>
+          <p:cNvPr id="2" name="Title 1">
+            <a:extLst>
+              <a:ext uri="{FF2B5EF4-FFF2-40B4-BE49-F238E27FC236}">
+                <a16:creationId xmlns:a16="http://schemas.microsoft.com/office/drawing/2014/main" id="{16475AE9-8EDE-4F91-A10F-D04BC36A9C15}"/>
+              </a:ext>
+            </a:extLst>
+          </p:cNvPr>
+          <p:cNvSpPr>
+            <a:spLocks noGrp="1"/>
+          </p:cNvSpPr>
+          <p:nvPr>
+            <p:ph type="title"/>
+          </p:nvPr>
+        </p:nvSpPr>
+        <p:spPr/>
+        <p:txBody>
+          <a:bodyPr/>
+          <a:lstStyle/>
+          <a:p>
+            <a:r>
+              <a:rPr lang="en-IN" dirty="0"/>
+              <a:t>Experimental Evaluation</a:t>
+            </a:r>
+          </a:p>
+        </p:txBody>
+      </p:sp>
+      <p:sp>
+        <p:nvSpPr>
+          <p:cNvPr id="4" name="Date Placeholder 3">
+            <a:extLst>
+              <a:ext uri="{FF2B5EF4-FFF2-40B4-BE49-F238E27FC236}">
+                <a16:creationId xmlns:a16="http://schemas.microsoft.com/office/drawing/2014/main" id="{1ADDB349-10BD-4231-8667-7E3BBD36179A}"/>
+              </a:ext>
+            </a:extLst>
+          </p:cNvPr>
+          <p:cNvSpPr>
+            <a:spLocks noGrp="1"/>
+          </p:cNvSpPr>
+          <p:nvPr>
+            <p:ph type="dt" sz="half" idx="10"/>
+          </p:nvPr>
+        </p:nvSpPr>
+        <p:spPr>
+          <a:xfrm>
+            <a:off x="358807" y="6347415"/>
+            <a:ext cx="1374423" cy="365125"/>
+          </a:xfrm>
+        </p:spPr>
+        <p:txBody>
+          <a:bodyPr/>
+          <a:lstStyle/>
+          <a:p>
+            <a:fld id="{CB9FA82F-D473-46A5-8BC7-A7942AEE8F3B}" type="datetime5">
+              <a:rPr lang="en-US" smtClean="0"/>
+              <a:t>3-Apr-19</a:t>
+            </a:fld>
+            <a:endParaRPr lang="en-US" dirty="0"/>
+          </a:p>
+        </p:txBody>
+      </p:sp>
+      <p:sp>
+        <p:nvSpPr>
+          <p:cNvPr id="5" name="Footer Placeholder 4">
+            <a:extLst>
+              <a:ext uri="{FF2B5EF4-FFF2-40B4-BE49-F238E27FC236}">
+                <a16:creationId xmlns:a16="http://schemas.microsoft.com/office/drawing/2014/main" id="{D24A497A-C6DB-4A8A-8578-E58C2D0F2235}"/>
+              </a:ext>
+            </a:extLst>
+          </p:cNvPr>
+          <p:cNvSpPr>
+            <a:spLocks noGrp="1"/>
+          </p:cNvSpPr>
+          <p:nvPr>
+            <p:ph type="ftr" sz="quarter" idx="11"/>
+          </p:nvPr>
+        </p:nvSpPr>
+        <p:spPr/>
+        <p:txBody>
+          <a:bodyPr/>
+          <a:lstStyle/>
+          <a:p>
+            <a:r>
+              <a:rPr lang="en-US" dirty="0"/>
+              <a:t>Image: [1]</a:t>
+            </a:r>
+          </a:p>
+          <a:p>
+            <a:endParaRPr lang="en-US" dirty="0"/>
+          </a:p>
+        </p:txBody>
+      </p:sp>
+      <p:sp>
+        <p:nvSpPr>
+          <p:cNvPr id="6" name="Slide Number Placeholder 5">
+            <a:extLst>
+              <a:ext uri="{FF2B5EF4-FFF2-40B4-BE49-F238E27FC236}">
+                <a16:creationId xmlns:a16="http://schemas.microsoft.com/office/drawing/2014/main" id="{F98AC022-5373-4F45-AD3B-8CFAF33AD23E}"/>
+              </a:ext>
+            </a:extLst>
+          </p:cNvPr>
+          <p:cNvSpPr>
+            <a:spLocks noGrp="1"/>
+          </p:cNvSpPr>
+          <p:nvPr>
+            <p:ph type="sldNum" sz="quarter" idx="12"/>
+          </p:nvPr>
+        </p:nvSpPr>
+        <p:spPr/>
+        <p:txBody>
+          <a:bodyPr/>
+          <a:lstStyle/>
+          <a:p>
+            <a:fld id="{9EFCAA85-8796-4B17-9CA3-4CB18724EF60}" type="slidenum">
+              <a:rPr lang="en-US" smtClean="0"/>
+              <a:t>14</a:t>
+            </a:fld>
+            <a:endParaRPr lang="en-US"/>
+          </a:p>
+        </p:txBody>
+      </p:sp>
+      <p:pic>
+        <p:nvPicPr>
           <p:cNvPr id="3" name="Picture 2">
             <a:extLst>
               <a:ext uri="{FF2B5EF4-FFF2-40B4-BE49-F238E27FC236}">
@@ -14872,8 +15416,8 @@
         </p:nvSpPr>
         <p:spPr>
           <a:xfrm>
-            <a:off x="5204944" y="5227804"/>
-            <a:ext cx="2154644" cy="369332"/>
+            <a:off x="4539118" y="5360969"/>
+            <a:ext cx="4125488" cy="369332"/>
           </a:xfrm>
           <a:prstGeom prst="rect">
             <a:avLst/>
@@ -14888,7 +15432,7 @@
           <a:p>
             <a:r>
               <a:rPr lang="en-IN" dirty="0"/>
-              <a:t>PageRank Algorithm</a:t>
+              <a:t>Computation Time for PageRank</a:t>
             </a:r>
           </a:p>
         </p:txBody>
@@ -14906,7 +15450,7 @@
 </p:sld>
 </file>
 
-<file path=ppt/slides/slide14.xml><?xml version="1.0" encoding="utf-8"?>
+<file path=ppt/slides/slide15.xml><?xml version="1.0" encoding="utf-8"?>
 <p:sld xmlns:a="http://schemas.openxmlformats.org/drawingml/2006/main" xmlns:r="http://schemas.openxmlformats.org/officeDocument/2006/relationships" xmlns:p="http://schemas.openxmlformats.org/presentationml/2006/main">
   <p:cSld>
     <p:spTree>
@@ -15071,7 +15615,7 @@
           <a:p>
             <a:fld id="{9EFCAA85-8796-4B17-9CA3-4CB18724EF60}" type="slidenum">
               <a:rPr lang="en-US" smtClean="0"/>
-              <a:t>14</a:t>
+              <a:t>15</a:t>
             </a:fld>
             <a:endParaRPr lang="en-US"/>
           </a:p>
@@ -15220,7 +15764,7 @@
 </p:sld>
 </file>
 
-<file path=ppt/slides/slide15.xml><?xml version="1.0" encoding="utf-8"?>
+<file path=ppt/slides/slide16.xml><?xml version="1.0" encoding="utf-8"?>
 <p:sld xmlns:a="http://schemas.openxmlformats.org/drawingml/2006/main" xmlns:r="http://schemas.openxmlformats.org/officeDocument/2006/relationships" xmlns:p="http://schemas.openxmlformats.org/presentationml/2006/main">
   <p:cSld>
     <p:spTree>
@@ -15286,7 +15830,85 @@
           <a:bodyPr/>
           <a:lstStyle/>
           <a:p>
-            <a:endParaRPr lang="en-IN"/>
+            <a:r>
+              <a:rPr lang="en-IN" dirty="0">
+                <a:solidFill>
+                  <a:srgbClr val="00B050"/>
+                </a:solidFill>
+              </a:rPr>
+              <a:t>Strengths</a:t>
+            </a:r>
+          </a:p>
+          <a:p>
+            <a:pPr lvl="1"/>
+            <a:r>
+              <a:rPr lang="en-IN" dirty="0"/>
+              <a:t>Proposed general system covering the entire graph algorithm space</a:t>
+            </a:r>
+          </a:p>
+          <a:p>
+            <a:pPr lvl="1"/>
+            <a:r>
+              <a:rPr lang="en-IN" dirty="0"/>
+              <a:t>Demonstrated Order of magnitude performance improvement in general</a:t>
+            </a:r>
+          </a:p>
+          <a:p>
+            <a:pPr lvl="1"/>
+            <a:r>
+              <a:rPr lang="en-IN" dirty="0"/>
+              <a:t>Well motivated, coherent and precise writing</a:t>
+            </a:r>
+          </a:p>
+          <a:p>
+            <a:r>
+              <a:rPr lang="en-IN" dirty="0">
+                <a:solidFill>
+                  <a:srgbClr val="FF0000"/>
+                </a:solidFill>
+              </a:rPr>
+              <a:t>Weakness</a:t>
+            </a:r>
+          </a:p>
+          <a:p>
+            <a:pPr lvl="1"/>
+            <a:r>
+              <a:rPr lang="en-IN" dirty="0">
+                <a:solidFill>
+                  <a:schemeClr val="tx1"/>
+                </a:solidFill>
+              </a:rPr>
+              <a:t>Gains are lower when the algorithm is compute bound</a:t>
+            </a:r>
+          </a:p>
+          <a:p>
+            <a:pPr lvl="1"/>
+            <a:r>
+              <a:rPr lang="en-IN" dirty="0">
+                <a:solidFill>
+                  <a:schemeClr val="tx1"/>
+                </a:solidFill>
+              </a:rPr>
+              <a:t>Not truly async – Local barriers require every local vertex to synchronize</a:t>
+            </a:r>
+          </a:p>
+          <a:p>
+            <a:pPr lvl="1"/>
+            <a:r>
+              <a:rPr lang="en-IN" dirty="0">
+                <a:solidFill>
+                  <a:schemeClr val="tx1"/>
+                </a:solidFill>
+              </a:rPr>
+              <a:t>No support for online graph processing</a:t>
+            </a:r>
+          </a:p>
+          <a:p>
+            <a:endParaRPr lang="en-IN" dirty="0">
+              <a:solidFill>
+                <a:srgbClr val="00B050"/>
+              </a:solidFill>
+            </a:endParaRPr>
           </a:p>
         </p:txBody>
       </p:sp>
@@ -15372,7 +15994,7 @@
           <a:p>
             <a:fld id="{9EFCAA85-8796-4B17-9CA3-4CB18724EF60}" type="slidenum">
               <a:rPr lang="en-US" smtClean="0"/>
-              <a:t>15</a:t>
+              <a:t>16</a:t>
             </a:fld>
             <a:endParaRPr lang="en-US"/>
           </a:p>
@@ -15391,7 +16013,421 @@
 </p:sld>
 </file>
 
-<file path=ppt/slides/slide16.xml><?xml version="1.0" encoding="utf-8"?>
+<file path=ppt/slides/slide17.xml><?xml version="1.0" encoding="utf-8"?>
+<p:sld xmlns:a="http://schemas.openxmlformats.org/drawingml/2006/main" xmlns:r="http://schemas.openxmlformats.org/officeDocument/2006/relationships" xmlns:p="http://schemas.openxmlformats.org/presentationml/2006/main">
+  <p:cSld>
+    <p:spTree>
+      <p:nvGrpSpPr>
+        <p:cNvPr id="1" name=""/>
+        <p:cNvGrpSpPr/>
+        <p:nvPr/>
+      </p:nvGrpSpPr>
+      <p:grpSpPr>
+        <a:xfrm>
+          <a:off x="0" y="0"/>
+          <a:ext cx="0" cy="0"/>
+          <a:chOff x="0" y="0"/>
+          <a:chExt cx="0" cy="0"/>
+        </a:xfrm>
+      </p:grpSpPr>
+      <p:sp>
+        <p:nvSpPr>
+          <p:cNvPr id="2" name="Title 1">
+            <a:extLst>
+              <a:ext uri="{FF2B5EF4-FFF2-40B4-BE49-F238E27FC236}">
+                <a16:creationId xmlns:a16="http://schemas.microsoft.com/office/drawing/2014/main" id="{4BEBE1F1-19E2-4180-B4E1-594D48C515A9}"/>
+              </a:ext>
+            </a:extLst>
+          </p:cNvPr>
+          <p:cNvSpPr>
+            <a:spLocks noGrp="1"/>
+          </p:cNvSpPr>
+          <p:nvPr>
+            <p:ph type="title"/>
+          </p:nvPr>
+        </p:nvSpPr>
+        <p:spPr/>
+        <p:txBody>
+          <a:bodyPr/>
+          <a:lstStyle/>
+          <a:p>
+            <a:r>
+              <a:rPr lang="en-IN" dirty="0"/>
+              <a:t>Implementation Notes</a:t>
+            </a:r>
+          </a:p>
+        </p:txBody>
+      </p:sp>
+      <p:sp>
+        <p:nvSpPr>
+          <p:cNvPr id="3" name="Content Placeholder 2">
+            <a:extLst>
+              <a:ext uri="{FF2B5EF4-FFF2-40B4-BE49-F238E27FC236}">
+                <a16:creationId xmlns:a16="http://schemas.microsoft.com/office/drawing/2014/main" id="{309DFB9B-1849-464B-A5D1-14506B38EF4F}"/>
+              </a:ext>
+            </a:extLst>
+          </p:cNvPr>
+          <p:cNvSpPr>
+            <a:spLocks noGrp="1"/>
+          </p:cNvSpPr>
+          <p:nvPr>
+            <p:ph idx="1"/>
+          </p:nvPr>
+        </p:nvSpPr>
+        <p:spPr/>
+        <p:txBody>
+          <a:bodyPr/>
+          <a:lstStyle/>
+          <a:p>
+            <a:r>
+              <a:rPr lang="en-IN" dirty="0"/>
+              <a:t>Outgoing local messages skip the buffer</a:t>
+            </a:r>
+          </a:p>
+          <a:p>
+            <a:r>
+              <a:rPr lang="en-IN" dirty="0"/>
+              <a:t>Workers assigned multiple graph partitions</a:t>
+            </a:r>
+          </a:p>
+          <a:p>
+            <a:r>
+              <a:rPr lang="en-IN" dirty="0"/>
+              <a:t>Checkpointing performed at global barriers</a:t>
+            </a:r>
+          </a:p>
+          <a:p>
+            <a:r>
+              <a:rPr lang="en-IN" dirty="0"/>
+              <a:t>Lightweight Global Barrier</a:t>
+            </a:r>
+          </a:p>
+          <a:p>
+            <a:pPr lvl="1"/>
+            <a:r>
+              <a:rPr lang="en-IN" dirty="0"/>
+              <a:t>Coordinated by Master via ZooKeeper</a:t>
+            </a:r>
+          </a:p>
+          <a:p>
+            <a:pPr lvl="1"/>
+            <a:r>
+              <a:rPr lang="en-IN" dirty="0"/>
+              <a:t>Does not require workers to record any statistics with ZooKeeper</a:t>
+            </a:r>
+          </a:p>
+          <a:p>
+            <a:r>
+              <a:rPr lang="en-IN" dirty="0"/>
+              <a:t>Vertex and edge mutations are local operations</a:t>
+            </a:r>
+          </a:p>
+          <a:p>
+            <a:pPr lvl="1"/>
+            <a:r>
+              <a:rPr lang="en-IN" dirty="0"/>
+              <a:t>Resolved during a local barrier</a:t>
+            </a:r>
+          </a:p>
+          <a:p>
+            <a:pPr lvl="1"/>
+            <a:endParaRPr lang="en-IN" dirty="0"/>
+          </a:p>
+        </p:txBody>
+      </p:sp>
+      <p:sp>
+        <p:nvSpPr>
+          <p:cNvPr id="4" name="Date Placeholder 3">
+            <a:extLst>
+              <a:ext uri="{FF2B5EF4-FFF2-40B4-BE49-F238E27FC236}">
+                <a16:creationId xmlns:a16="http://schemas.microsoft.com/office/drawing/2014/main" id="{9CE0C88C-32E8-42AA-BE2E-F6924259C670}"/>
+              </a:ext>
+            </a:extLst>
+          </p:cNvPr>
+          <p:cNvSpPr>
+            <a:spLocks noGrp="1"/>
+          </p:cNvSpPr>
+          <p:nvPr>
+            <p:ph type="dt" sz="half" idx="10"/>
+          </p:nvPr>
+        </p:nvSpPr>
+        <p:spPr/>
+        <p:txBody>
+          <a:bodyPr/>
+          <a:lstStyle/>
+          <a:p>
+            <a:fld id="{CB9FA82F-D473-46A5-8BC7-A7942AEE8F3B}" type="datetime5">
+              <a:rPr lang="en-US" smtClean="0"/>
+              <a:t>3-Apr-19</a:t>
+            </a:fld>
+            <a:endParaRPr lang="en-US"/>
+          </a:p>
+        </p:txBody>
+      </p:sp>
+      <p:sp>
+        <p:nvSpPr>
+          <p:cNvPr id="5" name="Footer Placeholder 4">
+            <a:extLst>
+              <a:ext uri="{FF2B5EF4-FFF2-40B4-BE49-F238E27FC236}">
+                <a16:creationId xmlns:a16="http://schemas.microsoft.com/office/drawing/2014/main" id="{567227DF-9402-48FF-A28C-8717E7FA21E7}"/>
+              </a:ext>
+            </a:extLst>
+          </p:cNvPr>
+          <p:cNvSpPr>
+            <a:spLocks noGrp="1"/>
+          </p:cNvSpPr>
+          <p:nvPr>
+            <p:ph type="ftr" sz="quarter" idx="11"/>
+          </p:nvPr>
+        </p:nvSpPr>
+        <p:spPr/>
+        <p:txBody>
+          <a:bodyPr/>
+          <a:lstStyle/>
+          <a:p>
+            <a:endParaRPr lang="en-US"/>
+          </a:p>
+        </p:txBody>
+      </p:sp>
+      <p:sp>
+        <p:nvSpPr>
+          <p:cNvPr id="6" name="Slide Number Placeholder 5">
+            <a:extLst>
+              <a:ext uri="{FF2B5EF4-FFF2-40B4-BE49-F238E27FC236}">
+                <a16:creationId xmlns:a16="http://schemas.microsoft.com/office/drawing/2014/main" id="{CE03CF2A-9522-4133-A2A9-A468F048BAFE}"/>
+              </a:ext>
+            </a:extLst>
+          </p:cNvPr>
+          <p:cNvSpPr>
+            <a:spLocks noGrp="1"/>
+          </p:cNvSpPr>
+          <p:nvPr>
+            <p:ph type="sldNum" sz="quarter" idx="12"/>
+          </p:nvPr>
+        </p:nvSpPr>
+        <p:spPr/>
+        <p:txBody>
+          <a:bodyPr/>
+          <a:lstStyle/>
+          <a:p>
+            <a:fld id="{9EFCAA85-8796-4B17-9CA3-4CB18724EF60}" type="slidenum">
+              <a:rPr lang="en-US" smtClean="0"/>
+              <a:t>17</a:t>
+            </a:fld>
+            <a:endParaRPr lang="en-US"/>
+          </a:p>
+        </p:txBody>
+      </p:sp>
+    </p:spTree>
+    <p:extLst>
+      <p:ext uri="{BB962C8B-B14F-4D97-AF65-F5344CB8AC3E}">
+        <p14:creationId xmlns:p14="http://schemas.microsoft.com/office/powerpoint/2010/main" val="3342444107"/>
+      </p:ext>
+    </p:extLst>
+  </p:cSld>
+  <p:clrMapOvr>
+    <a:masterClrMapping/>
+  </p:clrMapOvr>
+</p:sld>
+</file>
+
+<file path=ppt/slides/slide18.xml><?xml version="1.0" encoding="utf-8"?>
+<p:sld xmlns:a="http://schemas.openxmlformats.org/drawingml/2006/main" xmlns:r="http://schemas.openxmlformats.org/officeDocument/2006/relationships" xmlns:p="http://schemas.openxmlformats.org/presentationml/2006/main">
+  <p:cSld>
+    <p:spTree>
+      <p:nvGrpSpPr>
+        <p:cNvPr id="1" name=""/>
+        <p:cNvGrpSpPr/>
+        <p:nvPr/>
+      </p:nvGrpSpPr>
+      <p:grpSpPr>
+        <a:xfrm>
+          <a:off x="0" y="0"/>
+          <a:ext cx="0" cy="0"/>
+          <a:chOff x="0" y="0"/>
+          <a:chExt cx="0" cy="0"/>
+        </a:xfrm>
+      </p:grpSpPr>
+      <p:sp>
+        <p:nvSpPr>
+          <p:cNvPr id="2" name="Title 1">
+            <a:extLst>
+              <a:ext uri="{FF2B5EF4-FFF2-40B4-BE49-F238E27FC236}">
+                <a16:creationId xmlns:a16="http://schemas.microsoft.com/office/drawing/2014/main" id="{DF433B84-B8C7-4B55-9E84-484229C99EDA}"/>
+              </a:ext>
+            </a:extLst>
+          </p:cNvPr>
+          <p:cNvSpPr>
+            <a:spLocks noGrp="1"/>
+          </p:cNvSpPr>
+          <p:nvPr>
+            <p:ph type="title"/>
+          </p:nvPr>
+        </p:nvSpPr>
+        <p:spPr/>
+        <p:txBody>
+          <a:bodyPr/>
+          <a:lstStyle/>
+          <a:p>
+            <a:r>
+              <a:rPr lang="en-IN" dirty="0"/>
+              <a:t>Theorems</a:t>
+            </a:r>
+          </a:p>
+        </p:txBody>
+      </p:sp>
+      <p:sp>
+        <p:nvSpPr>
+          <p:cNvPr id="3" name="Content Placeholder 2">
+            <a:extLst>
+              <a:ext uri="{FF2B5EF4-FFF2-40B4-BE49-F238E27FC236}">
+                <a16:creationId xmlns:a16="http://schemas.microsoft.com/office/drawing/2014/main" id="{1AF7981D-AE4C-46BF-88C7-378D86718C8F}"/>
+              </a:ext>
+            </a:extLst>
+          </p:cNvPr>
+          <p:cNvSpPr>
+            <a:spLocks noGrp="1"/>
+          </p:cNvSpPr>
+          <p:nvPr>
+            <p:ph idx="1"/>
+          </p:nvPr>
+        </p:nvSpPr>
+        <p:spPr>
+          <a:xfrm>
+            <a:off x="838199" y="1825625"/>
+            <a:ext cx="10693893" cy="4530726"/>
+          </a:xfrm>
+        </p:spPr>
+        <p:txBody>
+          <a:bodyPr>
+            <a:normAutofit/>
+          </a:bodyPr>
+          <a:lstStyle/>
+          <a:p>
+            <a:r>
+              <a:rPr lang="en-US" dirty="0"/>
+              <a:t>The AP and BAP models correctly execute single-phase BSP algorithms in which vertices do not need all messages from all neighbors.</a:t>
+            </a:r>
+          </a:p>
+          <a:p>
+            <a:r>
+              <a:rPr lang="en-US" dirty="0"/>
+              <a:t>Given a message store that is initially filled with valid messages, retains old messages, and overwrites old messages with new messages, the BAP model correctly executes single-phase BSP algorithms in which vertices need all messages from all neighbors.</a:t>
+            </a:r>
+          </a:p>
+          <a:p>
+            <a:r>
+              <a:rPr lang="en-US" dirty="0"/>
+              <a:t>If every message is tagged with a Boolean at the API level and two message stores are maintained at the system level, then the BAP model supports BSP algorithms with multiple computation phases.</a:t>
+            </a:r>
+          </a:p>
+          <a:p>
+            <a:endParaRPr lang="en-IN" dirty="0"/>
+          </a:p>
+        </p:txBody>
+      </p:sp>
+      <p:sp>
+        <p:nvSpPr>
+          <p:cNvPr id="4" name="Date Placeholder 3">
+            <a:extLst>
+              <a:ext uri="{FF2B5EF4-FFF2-40B4-BE49-F238E27FC236}">
+                <a16:creationId xmlns:a16="http://schemas.microsoft.com/office/drawing/2014/main" id="{0B098E61-8189-4E0A-B18D-53EE32D0C0E4}"/>
+              </a:ext>
+            </a:extLst>
+          </p:cNvPr>
+          <p:cNvSpPr>
+            <a:spLocks noGrp="1"/>
+          </p:cNvSpPr>
+          <p:nvPr>
+            <p:ph type="dt" sz="half" idx="10"/>
+          </p:nvPr>
+        </p:nvSpPr>
+        <p:spPr>
+          <a:xfrm>
+            <a:off x="394318" y="6356352"/>
+            <a:ext cx="1374423" cy="365125"/>
+          </a:xfrm>
+        </p:spPr>
+        <p:txBody>
+          <a:bodyPr/>
+          <a:lstStyle/>
+          <a:p>
+            <a:fld id="{CB9FA82F-D473-46A5-8BC7-A7942AEE8F3B}" type="datetime5">
+              <a:rPr lang="en-US" smtClean="0"/>
+              <a:t>3-Apr-19</a:t>
+            </a:fld>
+            <a:endParaRPr lang="en-US"/>
+          </a:p>
+        </p:txBody>
+      </p:sp>
+      <p:sp>
+        <p:nvSpPr>
+          <p:cNvPr id="5" name="Footer Placeholder 4">
+            <a:extLst>
+              <a:ext uri="{FF2B5EF4-FFF2-40B4-BE49-F238E27FC236}">
+                <a16:creationId xmlns:a16="http://schemas.microsoft.com/office/drawing/2014/main" id="{A4BAF4D0-09BD-477E-8D3D-6BFD965E1427}"/>
+              </a:ext>
+            </a:extLst>
+          </p:cNvPr>
+          <p:cNvSpPr>
+            <a:spLocks noGrp="1"/>
+          </p:cNvSpPr>
+          <p:nvPr>
+            <p:ph type="ftr" sz="quarter" idx="11"/>
+          </p:nvPr>
+        </p:nvSpPr>
+        <p:spPr/>
+        <p:txBody>
+          <a:bodyPr/>
+          <a:lstStyle/>
+          <a:p>
+            <a:endParaRPr lang="en-US"/>
+          </a:p>
+        </p:txBody>
+      </p:sp>
+      <p:sp>
+        <p:nvSpPr>
+          <p:cNvPr id="6" name="Slide Number Placeholder 5">
+            <a:extLst>
+              <a:ext uri="{FF2B5EF4-FFF2-40B4-BE49-F238E27FC236}">
+                <a16:creationId xmlns:a16="http://schemas.microsoft.com/office/drawing/2014/main" id="{7B5C0E76-245A-4F08-B91F-5C57235F6BEB}"/>
+              </a:ext>
+            </a:extLst>
+          </p:cNvPr>
+          <p:cNvSpPr>
+            <a:spLocks noGrp="1"/>
+          </p:cNvSpPr>
+          <p:nvPr>
+            <p:ph type="sldNum" sz="quarter" idx="12"/>
+          </p:nvPr>
+        </p:nvSpPr>
+        <p:spPr/>
+        <p:txBody>
+          <a:bodyPr/>
+          <a:lstStyle/>
+          <a:p>
+            <a:fld id="{9EFCAA85-8796-4B17-9CA3-4CB18724EF60}" type="slidenum">
+              <a:rPr lang="en-US" smtClean="0"/>
+              <a:t>18</a:t>
+            </a:fld>
+            <a:endParaRPr lang="en-US"/>
+          </a:p>
+        </p:txBody>
+      </p:sp>
+    </p:spTree>
+    <p:extLst>
+      <p:ext uri="{BB962C8B-B14F-4D97-AF65-F5344CB8AC3E}">
+        <p14:creationId xmlns:p14="http://schemas.microsoft.com/office/powerpoint/2010/main" val="350621571"/>
+      </p:ext>
+    </p:extLst>
+  </p:cSld>
+  <p:clrMapOvr>
+    <a:masterClrMapping/>
+  </p:clrMapOvr>
+</p:sld>
+</file>
+
+<file path=ppt/slides/slide19.xml><?xml version="1.0" encoding="utf-8"?>
 <p:sld xmlns:a="http://schemas.openxmlformats.org/drawingml/2006/main" xmlns:r="http://schemas.openxmlformats.org/officeDocument/2006/relationships" xmlns:p="http://schemas.openxmlformats.org/presentationml/2006/main">
   <p:cSld>
     <p:spTree>
@@ -15454,10 +16490,112 @@
         </p:nvSpPr>
         <p:spPr/>
         <p:txBody>
-          <a:bodyPr/>
+          <a:bodyPr>
+            <a:normAutofit/>
+          </a:bodyPr>
           <a:lstStyle/>
           <a:p>
-            <a:endParaRPr lang="en-IN"/>
+            <a:pPr>
+              <a:buFont typeface="+mj-lt"/>
+              <a:buAutoNum type="arabicPeriod"/>
+            </a:pPr>
+            <a:r>
+              <a:rPr lang="en-IN" sz="1200" dirty="0">
+                <a:solidFill>
+                  <a:schemeClr val="tx1"/>
+                </a:solidFill>
+                <a:latin typeface="Tahoma" panose="020B0604030504040204" pitchFamily="34" charset="0"/>
+                <a:ea typeface="Tahoma" panose="020B0604030504040204" pitchFamily="34" charset="0"/>
+                <a:cs typeface="Tahoma" panose="020B0604030504040204" pitchFamily="34" charset="0"/>
+              </a:rPr>
+              <a:t>Minyang Han and Khuzaima Daudjee. 2015. Giraph unchained: barrierless asynchronous parallel execution in </a:t>
+            </a:r>
+            <a:r>
+              <a:rPr lang="en-IN" sz="1200" dirty="0" err="1">
+                <a:solidFill>
+                  <a:schemeClr val="tx1"/>
+                </a:solidFill>
+                <a:latin typeface="Tahoma" panose="020B0604030504040204" pitchFamily="34" charset="0"/>
+                <a:ea typeface="Tahoma" panose="020B0604030504040204" pitchFamily="34" charset="0"/>
+                <a:cs typeface="Tahoma" panose="020B0604030504040204" pitchFamily="34" charset="0"/>
+              </a:rPr>
+              <a:t>pregel</a:t>
+            </a:r>
+            <a:r>
+              <a:rPr lang="en-IN" sz="1200" dirty="0">
+                <a:solidFill>
+                  <a:schemeClr val="tx1"/>
+                </a:solidFill>
+                <a:latin typeface="Tahoma" panose="020B0604030504040204" pitchFamily="34" charset="0"/>
+                <a:ea typeface="Tahoma" panose="020B0604030504040204" pitchFamily="34" charset="0"/>
+                <a:cs typeface="Tahoma" panose="020B0604030504040204" pitchFamily="34" charset="0"/>
+              </a:rPr>
+              <a:t>-like graph processing systems. Proc. VLDB Endow. 8, 9 (May 2015), 950-961. DOI: </a:t>
+            </a:r>
+            <a:r>
+              <a:rPr lang="en-IN" sz="1200" dirty="0">
+                <a:solidFill>
+                  <a:schemeClr val="tx1"/>
+                </a:solidFill>
+                <a:latin typeface="Tahoma" panose="020B0604030504040204" pitchFamily="34" charset="0"/>
+                <a:ea typeface="Tahoma" panose="020B0604030504040204" pitchFamily="34" charset="0"/>
+                <a:cs typeface="Tahoma" panose="020B0604030504040204" pitchFamily="34" charset="0"/>
+                <a:hlinkClick r:id="rId2">
+                  <a:extLst>
+                    <a:ext uri="{A12FA001-AC4F-418D-AE19-62706E023703}">
+                      <ahyp:hlinkClr xmlns:ahyp="http://schemas.microsoft.com/office/drawing/2018/hyperlinkcolor" val="tx"/>
+                    </a:ext>
+                  </a:extLst>
+                </a:hlinkClick>
+              </a:rPr>
+              <a:t>https://doi.org/10.14778/2777598.2777604</a:t>
+            </a:r>
+            <a:r>
+              <a:rPr lang="en-IN" sz="1200" dirty="0">
+                <a:solidFill>
+                  <a:schemeClr val="tx1"/>
+                </a:solidFill>
+                <a:latin typeface="Tahoma" panose="020B0604030504040204" pitchFamily="34" charset="0"/>
+                <a:ea typeface="Tahoma" panose="020B0604030504040204" pitchFamily="34" charset="0"/>
+                <a:cs typeface="Tahoma" panose="020B0604030504040204" pitchFamily="34" charset="0"/>
+              </a:rPr>
+              <a:t> </a:t>
+            </a:r>
+          </a:p>
+          <a:p>
+            <a:pPr>
+              <a:buFont typeface="+mj-lt"/>
+              <a:buAutoNum type="arabicPeriod"/>
+            </a:pPr>
+            <a:r>
+              <a:rPr lang="en-US" sz="1200" dirty="0">
+                <a:solidFill>
+                  <a:schemeClr val="tx1"/>
+                </a:solidFill>
+                <a:latin typeface="Tahoma" panose="020B0604030504040204" pitchFamily="34" charset="0"/>
+                <a:ea typeface="Tahoma" panose="020B0604030504040204" pitchFamily="34" charset="0"/>
+                <a:cs typeface="Tahoma" panose="020B0604030504040204" pitchFamily="34" charset="0"/>
+              </a:rPr>
+              <a:t>M. Han and K. Daudjee. Giraph Unchained: Barrierless Asynchronous Parallel Execution in Pregel-like Graph Processing Systems. Technical Report CS-2015-04, </a:t>
+            </a:r>
+            <a:r>
+              <a:rPr lang="en-IN" sz="1200" dirty="0">
+                <a:solidFill>
+                  <a:schemeClr val="tx1"/>
+                </a:solidFill>
+                <a:latin typeface="Tahoma" panose="020B0604030504040204" pitchFamily="34" charset="0"/>
+                <a:ea typeface="Tahoma" panose="020B0604030504040204" pitchFamily="34" charset="0"/>
+                <a:cs typeface="Tahoma" panose="020B0604030504040204" pitchFamily="34" charset="0"/>
+              </a:rPr>
+              <a:t>University of Waterloo, 2015</a:t>
+            </a:r>
+          </a:p>
+          <a:p>
+            <a:pPr>
+              <a:buFont typeface="+mj-lt"/>
+              <a:buAutoNum type="arabicPeriod"/>
+            </a:pPr>
+            <a:endParaRPr lang="en-IN" sz="1200" dirty="0"/>
           </a:p>
         </p:txBody>
       </p:sp>
@@ -15543,7 +16681,7 @@
           <a:p>
             <a:fld id="{9EFCAA85-8796-4B17-9CA3-4CB18724EF60}" type="slidenum">
               <a:rPr lang="en-US" smtClean="0"/>
-              <a:t>16</a:t>
+              <a:t>19</a:t>
             </a:fld>
             <a:endParaRPr lang="en-US"/>
           </a:p>
@@ -15924,12 +17062,8 @@
           </a:p>
           <a:p>
             <a:r>
-              <a:rPr lang="en-IN" dirty="0" err="1"/>
-              <a:t>GraphLab</a:t>
-            </a:r>
-            <a:r>
               <a:rPr lang="en-IN" dirty="0"/>
-              <a:t> (Pull Based)</a:t>
+              <a:t>GraphLab (Pull Based)</a:t>
             </a:r>
           </a:p>
           <a:p>

--- a/Seminar/Seminar.pptx
+++ b/Seminar/Seminar.pptx
@@ -256,7 +256,7 @@
           <a:p>
             <a:fld id="{17D25274-37D4-4A72-9B29-6574698FC8CA}" type="datetimeFigureOut">
               <a:rPr lang="en-IN" smtClean="0"/>
-              <a:t>03-04-2019</a:t>
+              <a:t>04-04-2019</a:t>
             </a:fld>
             <a:endParaRPr lang="en-IN"/>
           </a:p>
@@ -4445,7 +4445,7 @@
           <a:p>
             <a:fld id="{CB9FA82F-D473-46A5-8BC7-A7942AEE8F3B}" type="datetime5">
               <a:rPr lang="en-US" smtClean="0"/>
-              <a:t>3-Apr-19</a:t>
+              <a:t>4-Apr-19</a:t>
             </a:fld>
             <a:endParaRPr lang="en-US"/>
           </a:p>
@@ -7009,7 +7009,7 @@
           <a:p>
             <a:fld id="{4B0B904D-AEBE-49C7-950D-3C17536E0839}" type="datetime5">
               <a:rPr lang="en-US" smtClean="0"/>
-              <a:t>3-Apr-19</a:t>
+              <a:t>4-Apr-19</a:t>
             </a:fld>
             <a:endParaRPr lang="en-US"/>
           </a:p>
@@ -7895,7 +7895,7 @@
           <a:p>
             <a:fld id="{6C5FB85D-438A-4D76-BCB7-AE9121A73C56}" type="datetime5">
               <a:rPr lang="en-US" smtClean="0"/>
-              <a:t>3-Apr-19</a:t>
+              <a:t>4-Apr-19</a:t>
             </a:fld>
             <a:endParaRPr lang="en-US"/>
           </a:p>
@@ -13436,7 +13436,7 @@
           <a:p>
             <a:fld id="{DCF45396-6524-45DB-A24F-B95E51A83297}" type="datetime5">
               <a:rPr lang="en-US" smtClean="0"/>
-              <a:t>3-Apr-19</a:t>
+              <a:t>4-Apr-19</a:t>
             </a:fld>
             <a:endParaRPr lang="en-US"/>
           </a:p>
@@ -14406,7 +14406,7 @@
           <a:p>
             <a:fld id="{CB9FA82F-D473-46A5-8BC7-A7942AEE8F3B}" type="datetime5">
               <a:rPr lang="en-US" smtClean="0"/>
-              <a:t>3-Apr-19</a:t>
+              <a:t>4-Apr-19</a:t>
             </a:fld>
             <a:endParaRPr lang="en-US"/>
           </a:p>
@@ -14666,7 +14666,7 @@
           <a:p>
             <a:fld id="{CB9FA82F-D473-46A5-8BC7-A7942AEE8F3B}" type="datetime5">
               <a:rPr lang="en-US" smtClean="0"/>
-              <a:t>3-Apr-19</a:t>
+              <a:t>4-Apr-19</a:t>
             </a:fld>
             <a:endParaRPr lang="en-US"/>
           </a:p>
@@ -14812,7 +14812,7 @@
           <a:p>
             <a:fld id="{CB9FA82F-D473-46A5-8BC7-A7942AEE8F3B}" type="datetime5">
               <a:rPr lang="en-US" smtClean="0"/>
-              <a:t>3-Apr-19</a:t>
+              <a:t>4-Apr-19</a:t>
             </a:fld>
             <a:endParaRPr lang="en-US" dirty="0"/>
           </a:p>
@@ -15089,7 +15089,7 @@
           <a:p>
             <a:fld id="{CB9FA82F-D473-46A5-8BC7-A7942AEE8F3B}" type="datetime5">
               <a:rPr lang="en-US" smtClean="0"/>
-              <a:t>3-Apr-19</a:t>
+              <a:t>4-Apr-19</a:t>
             </a:fld>
             <a:endParaRPr lang="en-US" dirty="0"/>
           </a:p>
@@ -15306,7 +15306,7 @@
           <a:p>
             <a:fld id="{CB9FA82F-D473-46A5-8BC7-A7942AEE8F3B}" type="datetime5">
               <a:rPr lang="en-US" smtClean="0"/>
-              <a:t>3-Apr-19</a:t>
+              <a:t>4-Apr-19</a:t>
             </a:fld>
             <a:endParaRPr lang="en-US" dirty="0"/>
           </a:p>
@@ -15555,7 +15555,7 @@
           <a:p>
             <a:fld id="{CB9FA82F-D473-46A5-8BC7-A7942AEE8F3B}" type="datetime5">
               <a:rPr lang="en-US" smtClean="0"/>
-              <a:t>3-Apr-19</a:t>
+              <a:t>4-Apr-19</a:t>
             </a:fld>
             <a:endParaRPr lang="en-US" dirty="0"/>
           </a:p>
@@ -15940,7 +15940,7 @@
           <a:p>
             <a:fld id="{CB9FA82F-D473-46A5-8BC7-A7942AEE8F3B}" type="datetime5">
               <a:rPr lang="en-US" smtClean="0"/>
-              <a:t>3-Apr-19</a:t>
+              <a:t>4-Apr-19</a:t>
             </a:fld>
             <a:endParaRPr lang="en-US" dirty="0"/>
           </a:p>
@@ -16158,7 +16158,7 @@
           <a:p>
             <a:fld id="{CB9FA82F-D473-46A5-8BC7-A7942AEE8F3B}" type="datetime5">
               <a:rPr lang="en-US" smtClean="0"/>
-              <a:t>3-Apr-19</a:t>
+              <a:t>4-Apr-19</a:t>
             </a:fld>
             <a:endParaRPr lang="en-US"/>
           </a:p>
@@ -16354,7 +16354,7 @@
           <a:p>
             <a:fld id="{CB9FA82F-D473-46A5-8BC7-A7942AEE8F3B}" type="datetime5">
               <a:rPr lang="en-US" smtClean="0"/>
-              <a:t>3-Apr-19</a:t>
+              <a:t>4-Apr-19</a:t>
             </a:fld>
             <a:endParaRPr lang="en-US"/>
           </a:p>
@@ -16627,7 +16627,7 @@
           <a:p>
             <a:fld id="{CB9FA82F-D473-46A5-8BC7-A7942AEE8F3B}" type="datetime5">
               <a:rPr lang="en-US" smtClean="0"/>
-              <a:t>3-Apr-19</a:t>
+              <a:t>4-Apr-19</a:t>
             </a:fld>
             <a:endParaRPr lang="en-US" dirty="0"/>
           </a:p>
@@ -16871,7 +16871,7 @@
           <a:p>
             <a:fld id="{CB9FA82F-D473-46A5-8BC7-A7942AEE8F3B}" type="datetime5">
               <a:rPr lang="en-US" smtClean="0"/>
-              <a:t>3-Apr-19</a:t>
+              <a:t>4-Apr-19</a:t>
             </a:fld>
             <a:endParaRPr lang="en-US" dirty="0"/>
           </a:p>
@@ -17130,7 +17130,7 @@
           <a:p>
             <a:fld id="{CB9FA82F-D473-46A5-8BC7-A7942AEE8F3B}" type="datetime5">
               <a:rPr lang="en-US" smtClean="0"/>
-              <a:t>3-Apr-19</a:t>
+              <a:t>4-Apr-19</a:t>
             </a:fld>
             <a:endParaRPr lang="en-US" dirty="0"/>
           </a:p>
@@ -17655,7 +17655,7 @@
           <a:p>
             <a:fld id="{CB9FA82F-D473-46A5-8BC7-A7942AEE8F3B}" type="datetime5">
               <a:rPr lang="en-US" smtClean="0"/>
-              <a:t>3-Apr-19</a:t>
+              <a:t>4-Apr-19</a:t>
             </a:fld>
             <a:endParaRPr lang="en-US"/>
           </a:p>
@@ -17923,7 +17923,7 @@
           <a:p>
             <a:fld id="{CB9FA82F-D473-46A5-8BC7-A7942AEE8F3B}" type="datetime5">
               <a:rPr lang="en-US" smtClean="0"/>
-              <a:t>3-Apr-19</a:t>
+              <a:t>4-Apr-19</a:t>
             </a:fld>
             <a:endParaRPr lang="en-US" dirty="0"/>
           </a:p>
@@ -18069,7 +18069,7 @@
           <a:p>
             <a:fld id="{CB9FA82F-D473-46A5-8BC7-A7942AEE8F3B}" type="datetime5">
               <a:rPr lang="en-US" smtClean="0"/>
-              <a:t>3-Apr-19</a:t>
+              <a:t>4-Apr-19</a:t>
             </a:fld>
             <a:endParaRPr lang="en-US" dirty="0"/>
           </a:p>
@@ -18244,7 +18244,42 @@
         </p:nvSpPr>
         <p:spPr>
           <a:xfrm>
-            <a:off x="8586240" y="5290153"/>
+            <a:off x="7327090" y="5215991"/>
+            <a:ext cx="3852909" cy="369332"/>
+          </a:xfrm>
+          <a:prstGeom prst="rect">
+            <a:avLst/>
+          </a:prstGeom>
+          <a:noFill/>
+        </p:spPr>
+        <p:txBody>
+          <a:bodyPr wrap="square" rtlCol="0">
+            <a:spAutoFit/>
+          </a:bodyPr>
+          <a:lstStyle/>
+          <a:p>
+            <a:r>
+              <a:rPr lang="en-IN" dirty="0"/>
+              <a:t>Assumption: Single Threaded Worker</a:t>
+            </a:r>
+          </a:p>
+        </p:txBody>
+      </p:sp>
+      <p:sp>
+        <p:nvSpPr>
+          <p:cNvPr id="11" name="TextBox 10">
+            <a:extLst>
+              <a:ext uri="{FF2B5EF4-FFF2-40B4-BE49-F238E27FC236}">
+                <a16:creationId xmlns:a16="http://schemas.microsoft.com/office/drawing/2014/main" id="{BDAD4E31-01E8-4124-BE95-2B7F7EBD6D1E}"/>
+              </a:ext>
+            </a:extLst>
+          </p:cNvPr>
+          <p:cNvSpPr txBox="1"/>
+          <p:nvPr/>
+        </p:nvSpPr>
+        <p:spPr>
+          <a:xfrm>
+            <a:off x="8472310" y="4306055"/>
             <a:ext cx="1562470" cy="369332"/>
           </a:xfrm>
           <a:prstGeom prst="rect">
@@ -18461,7 +18496,7 @@
           <a:p>
             <a:fld id="{CB9FA82F-D473-46A5-8BC7-A7942AEE8F3B}" type="datetime5">
               <a:rPr lang="en-US" smtClean="0"/>
-              <a:t>3-Apr-19</a:t>
+              <a:t>4-Apr-19</a:t>
             </a:fld>
             <a:endParaRPr lang="en-US"/>
           </a:p>
@@ -18616,7 +18651,7 @@
           <a:p>
             <a:fld id="{CB9FA82F-D473-46A5-8BC7-A7942AEE8F3B}" type="datetime5">
               <a:rPr lang="en-US" smtClean="0"/>
-              <a:t>3-Apr-19</a:t>
+              <a:t>4-Apr-19</a:t>
             </a:fld>
             <a:endParaRPr lang="en-US" dirty="0"/>
           </a:p>
@@ -18828,7 +18863,7 @@
           <a:p>
             <a:fld id="{CB9FA82F-D473-46A5-8BC7-A7942AEE8F3B}" type="datetime5">
               <a:rPr lang="en-US" smtClean="0"/>
-              <a:t>3-Apr-19</a:t>
+              <a:t>4-Apr-19</a:t>
             </a:fld>
             <a:endParaRPr lang="en-US"/>
           </a:p>
